--- a/Building Bus Reservation system using python and django -SATHYA P(5113-KINGSTON)/SCREENSHOTS.pptx
+++ b/Building Bus Reservation system using python and django -SATHYA P(5113-KINGSTON)/SCREENSHOTS.pptx
@@ -119,7 +119,7 @@
 <file path=ppt/revisionInfo.xml><?xml version="1.0" encoding="utf-8"?>
 <p1510:revInfo xmlns:a="http://schemas.openxmlformats.org/drawingml/2006/main" xmlns:r="http://schemas.openxmlformats.org/officeDocument/2006/relationships" xmlns:p1510="http://schemas.microsoft.com/office/powerpoint/2015/10/main">
   <p1510:revLst>
-    <p1510:client id="{A0A1532D-4EB8-4ACF-9697-F1245E379955}" v="6" dt="2024-04-07T12:08:28.045"/>
+    <p1510:client id="{78E15550-2BD5-487F-AB70-382809DD2D74}" v="4" dt="2024-04-08T14:09:31.623"/>
   </p1510:revLst>
 </p1510:revInfo>
 </file>
@@ -251,6 +251,98 @@
       </pc:sldChg>
     </pc:docChg>
   </pc:docChgLst>
+  <pc:docChgLst>
+    <pc:chgData name="SATHYA P" userId="7f817037ea7e56c7" providerId="LiveId" clId="{78E15550-2BD5-487F-AB70-382809DD2D74}"/>
+    <pc:docChg chg="custSel modSld">
+      <pc:chgData name="SATHYA P" userId="7f817037ea7e56c7" providerId="LiveId" clId="{78E15550-2BD5-487F-AB70-382809DD2D74}" dt="2024-04-08T14:10:45.467" v="93" actId="20577"/>
+      <pc:docMkLst>
+        <pc:docMk/>
+      </pc:docMkLst>
+      <pc:sldChg chg="modSp mod">
+        <pc:chgData name="SATHYA P" userId="7f817037ea7e56c7" providerId="LiveId" clId="{78E15550-2BD5-487F-AB70-382809DD2D74}" dt="2024-04-08T14:10:45.467" v="93" actId="20577"/>
+        <pc:sldMkLst>
+          <pc:docMk/>
+          <pc:sldMk cId="543391656" sldId="256"/>
+        </pc:sldMkLst>
+        <pc:spChg chg="mod">
+          <ac:chgData name="SATHYA P" userId="7f817037ea7e56c7" providerId="LiveId" clId="{78E15550-2BD5-487F-AB70-382809DD2D74}" dt="2024-04-08T14:10:25.380" v="61" actId="113"/>
+          <ac:spMkLst>
+            <pc:docMk/>
+            <pc:sldMk cId="543391656" sldId="256"/>
+            <ac:spMk id="2" creationId="{0F83DA16-1AEB-08BC-7688-07F03FB49B8F}"/>
+          </ac:spMkLst>
+        </pc:spChg>
+        <pc:spChg chg="mod">
+          <ac:chgData name="SATHYA P" userId="7f817037ea7e56c7" providerId="LiveId" clId="{78E15550-2BD5-487F-AB70-382809DD2D74}" dt="2024-04-08T14:10:45.467" v="93" actId="20577"/>
+          <ac:spMkLst>
+            <pc:docMk/>
+            <pc:sldMk cId="543391656" sldId="256"/>
+            <ac:spMk id="3" creationId="{A0D82C0D-7BBB-17CF-304F-5C213A49F420}"/>
+          </ac:spMkLst>
+        </pc:spChg>
+      </pc:sldChg>
+      <pc:sldChg chg="addSp modSp mod">
+        <pc:chgData name="SATHYA P" userId="7f817037ea7e56c7" providerId="LiveId" clId="{78E15550-2BD5-487F-AB70-382809DD2D74}" dt="2024-04-08T14:08:15.732" v="30" actId="113"/>
+        <pc:sldMkLst>
+          <pc:docMk/>
+          <pc:sldMk cId="547396193" sldId="257"/>
+        </pc:sldMkLst>
+        <pc:spChg chg="add mod">
+          <ac:chgData name="SATHYA P" userId="7f817037ea7e56c7" providerId="LiveId" clId="{78E15550-2BD5-487F-AB70-382809DD2D74}" dt="2024-04-08T14:08:15.732" v="30" actId="113"/>
+          <ac:spMkLst>
+            <pc:docMk/>
+            <pc:sldMk cId="547396193" sldId="257"/>
+            <ac:spMk id="2" creationId="{06873D40-EC1B-1D56-9A1A-0F6F17323BF7}"/>
+          </ac:spMkLst>
+        </pc:spChg>
+      </pc:sldChg>
+      <pc:sldChg chg="addSp modSp mod">
+        <pc:chgData name="SATHYA P" userId="7f817037ea7e56c7" providerId="LiveId" clId="{78E15550-2BD5-487F-AB70-382809DD2D74}" dt="2024-04-08T14:09:17.440" v="47" actId="1076"/>
+        <pc:sldMkLst>
+          <pc:docMk/>
+          <pc:sldMk cId="4047684195" sldId="258"/>
+        </pc:sldMkLst>
+        <pc:spChg chg="add mod">
+          <ac:chgData name="SATHYA P" userId="7f817037ea7e56c7" providerId="LiveId" clId="{78E15550-2BD5-487F-AB70-382809DD2D74}" dt="2024-04-08T14:09:17.440" v="47" actId="1076"/>
+          <ac:spMkLst>
+            <pc:docMk/>
+            <pc:sldMk cId="4047684195" sldId="258"/>
+            <ac:spMk id="2" creationId="{7D7F123A-CF6F-311A-A79F-2B893E47449E}"/>
+          </ac:spMkLst>
+        </pc:spChg>
+      </pc:sldChg>
+      <pc:sldChg chg="addSp modSp mod">
+        <pc:chgData name="SATHYA P" userId="7f817037ea7e56c7" providerId="LiveId" clId="{78E15550-2BD5-487F-AB70-382809DD2D74}" dt="2024-04-08T14:07:06.327" v="14" actId="255"/>
+        <pc:sldMkLst>
+          <pc:docMk/>
+          <pc:sldMk cId="481098386" sldId="259"/>
+        </pc:sldMkLst>
+        <pc:spChg chg="add mod">
+          <ac:chgData name="SATHYA P" userId="7f817037ea7e56c7" providerId="LiveId" clId="{78E15550-2BD5-487F-AB70-382809DD2D74}" dt="2024-04-08T14:07:06.327" v="14" actId="255"/>
+          <ac:spMkLst>
+            <pc:docMk/>
+            <pc:sldMk cId="481098386" sldId="259"/>
+            <ac:spMk id="2" creationId="{E2918DE4-0F25-6470-6BB4-DBBABD430C5C}"/>
+          </ac:spMkLst>
+        </pc:spChg>
+      </pc:sldChg>
+      <pc:sldChg chg="addSp modSp mod">
+        <pc:chgData name="SATHYA P" userId="7f817037ea7e56c7" providerId="LiveId" clId="{78E15550-2BD5-487F-AB70-382809DD2D74}" dt="2024-04-08T14:09:58.120" v="60" actId="255"/>
+        <pc:sldMkLst>
+          <pc:docMk/>
+          <pc:sldMk cId="3458058253" sldId="260"/>
+        </pc:sldMkLst>
+        <pc:spChg chg="add mod">
+          <ac:chgData name="SATHYA P" userId="7f817037ea7e56c7" providerId="LiveId" clId="{78E15550-2BD5-487F-AB70-382809DD2D74}" dt="2024-04-08T14:09:58.120" v="60" actId="255"/>
+          <ac:spMkLst>
+            <pc:docMk/>
+            <pc:sldMk cId="3458058253" sldId="260"/>
+            <ac:spMk id="2" creationId="{7206E950-82EE-B8B7-BF87-915E7650A9BE}"/>
+          </ac:spMkLst>
+        </pc:spChg>
+      </pc:sldChg>
+    </pc:docChg>
+  </pc:docChgLst>
 </pc:chgInfo>
 </file>
 
@@ -403,7 +495,7 @@
           <a:p>
             <a:fld id="{8C901DB5-CE2E-4318-AD8B-6064D56A65C5}" type="datetimeFigureOut">
               <a:rPr lang="en-IN" smtClean="0"/>
-              <a:t>07-04-2024</a:t>
+              <a:t>08-04-2024</a:t>
             </a:fld>
             <a:endParaRPr lang="en-IN"/>
           </a:p>
@@ -603,7 +695,7 @@
           <a:p>
             <a:fld id="{8C901DB5-CE2E-4318-AD8B-6064D56A65C5}" type="datetimeFigureOut">
               <a:rPr lang="en-IN" smtClean="0"/>
-              <a:t>07-04-2024</a:t>
+              <a:t>08-04-2024</a:t>
             </a:fld>
             <a:endParaRPr lang="en-IN"/>
           </a:p>
@@ -813,7 +905,7 @@
           <a:p>
             <a:fld id="{8C901DB5-CE2E-4318-AD8B-6064D56A65C5}" type="datetimeFigureOut">
               <a:rPr lang="en-IN" smtClean="0"/>
-              <a:t>07-04-2024</a:t>
+              <a:t>08-04-2024</a:t>
             </a:fld>
             <a:endParaRPr lang="en-IN"/>
           </a:p>
@@ -1013,7 +1105,7 @@
           <a:p>
             <a:fld id="{8C901DB5-CE2E-4318-AD8B-6064D56A65C5}" type="datetimeFigureOut">
               <a:rPr lang="en-IN" smtClean="0"/>
-              <a:t>07-04-2024</a:t>
+              <a:t>08-04-2024</a:t>
             </a:fld>
             <a:endParaRPr lang="en-IN"/>
           </a:p>
@@ -1289,7 +1381,7 @@
           <a:p>
             <a:fld id="{8C901DB5-CE2E-4318-AD8B-6064D56A65C5}" type="datetimeFigureOut">
               <a:rPr lang="en-IN" smtClean="0"/>
-              <a:t>07-04-2024</a:t>
+              <a:t>08-04-2024</a:t>
             </a:fld>
             <a:endParaRPr lang="en-IN"/>
           </a:p>
@@ -1557,7 +1649,7 @@
           <a:p>
             <a:fld id="{8C901DB5-CE2E-4318-AD8B-6064D56A65C5}" type="datetimeFigureOut">
               <a:rPr lang="en-IN" smtClean="0"/>
-              <a:t>07-04-2024</a:t>
+              <a:t>08-04-2024</a:t>
             </a:fld>
             <a:endParaRPr lang="en-IN"/>
           </a:p>
@@ -1972,7 +2064,7 @@
           <a:p>
             <a:fld id="{8C901DB5-CE2E-4318-AD8B-6064D56A65C5}" type="datetimeFigureOut">
               <a:rPr lang="en-IN" smtClean="0"/>
-              <a:t>07-04-2024</a:t>
+              <a:t>08-04-2024</a:t>
             </a:fld>
             <a:endParaRPr lang="en-IN"/>
           </a:p>
@@ -2114,7 +2206,7 @@
           <a:p>
             <a:fld id="{8C901DB5-CE2E-4318-AD8B-6064D56A65C5}" type="datetimeFigureOut">
               <a:rPr lang="en-IN" smtClean="0"/>
-              <a:t>07-04-2024</a:t>
+              <a:t>08-04-2024</a:t>
             </a:fld>
             <a:endParaRPr lang="en-IN"/>
           </a:p>
@@ -2227,7 +2319,7 @@
           <a:p>
             <a:fld id="{8C901DB5-CE2E-4318-AD8B-6064D56A65C5}" type="datetimeFigureOut">
               <a:rPr lang="en-IN" smtClean="0"/>
-              <a:t>07-04-2024</a:t>
+              <a:t>08-04-2024</a:t>
             </a:fld>
             <a:endParaRPr lang="en-IN"/>
           </a:p>
@@ -2540,7 +2632,7 @@
           <a:p>
             <a:fld id="{8C901DB5-CE2E-4318-AD8B-6064D56A65C5}" type="datetimeFigureOut">
               <a:rPr lang="en-IN" smtClean="0"/>
-              <a:t>07-04-2024</a:t>
+              <a:t>08-04-2024</a:t>
             </a:fld>
             <a:endParaRPr lang="en-IN"/>
           </a:p>
@@ -2829,7 +2921,7 @@
           <a:p>
             <a:fld id="{8C901DB5-CE2E-4318-AD8B-6064D56A65C5}" type="datetimeFigureOut">
               <a:rPr lang="en-IN" smtClean="0"/>
-              <a:t>07-04-2024</a:t>
+              <a:t>08-04-2024</a:t>
             </a:fld>
             <a:endParaRPr lang="en-IN"/>
           </a:p>
@@ -3072,7 +3164,7 @@
           <a:p>
             <a:fld id="{8C901DB5-CE2E-4318-AD8B-6064D56A65C5}" type="datetimeFigureOut">
               <a:rPr lang="en-IN" smtClean="0"/>
-              <a:t>07-04-2024</a:t>
+              <a:t>08-04-2024</a:t>
             </a:fld>
             <a:endParaRPr lang="en-IN"/>
           </a:p>
@@ -3511,13 +3603,13 @@
           <a:lstStyle/>
           <a:p>
             <a:r>
-              <a:rPr lang="en-IN" dirty="0"/>
+              <a:rPr lang="en-IN" b="1" dirty="0"/>
               <a:t>SCREENSHOTS</a:t>
             </a:r>
             <a:br>
-              <a:rPr lang="en-IN" dirty="0"/>
+              <a:rPr lang="en-IN" b="1" dirty="0"/>
             </a:br>
-            <a:endParaRPr lang="en-IN" dirty="0"/>
+            <a:endParaRPr lang="en-IN" b="1" dirty="0"/>
           </a:p>
         </p:txBody>
       </p:sp>
@@ -3552,6 +3644,13 @@
               <a:rPr lang="en-IN" dirty="0"/>
               <a:t>PYTHON AND DJANGO</a:t>
             </a:r>
+            <a:r>
+              <a:rPr lang="en-IN"/>
+              <a:t>(Sathya-5113)</a:t>
+            </a:r>
+          </a:p>
+          <a:p>
+            <a:endParaRPr lang="en-IN" dirty="0"/>
           </a:p>
         </p:txBody>
       </p:sp>
@@ -3620,6 +3719,45 @@
           </a:prstGeom>
         </p:spPr>
       </p:pic>
+      <p:sp>
+        <p:nvSpPr>
+          <p:cNvPr id="2" name="TextBox 1">
+            <a:extLst>
+              <a:ext uri="{FF2B5EF4-FFF2-40B4-BE49-F238E27FC236}">
+                <a16:creationId xmlns:a16="http://schemas.microsoft.com/office/drawing/2014/main" id="{E2918DE4-0F25-6470-6BB4-DBBABD430C5C}"/>
+              </a:ext>
+            </a:extLst>
+          </p:cNvPr>
+          <p:cNvSpPr txBox="1"/>
+          <p:nvPr/>
+        </p:nvSpPr>
+        <p:spPr>
+          <a:xfrm>
+            <a:off x="4680155" y="452284"/>
+            <a:ext cx="3982065" cy="984885"/>
+          </a:xfrm>
+          <a:prstGeom prst="rect">
+            <a:avLst/>
+          </a:prstGeom>
+          <a:noFill/>
+        </p:spPr>
+        <p:txBody>
+          <a:bodyPr wrap="square" rtlCol="0">
+            <a:spAutoFit/>
+          </a:bodyPr>
+          <a:lstStyle/>
+          <a:p>
+            <a:r>
+              <a:rPr lang="en-IN" sz="4000" b="1" dirty="0"/>
+              <a:t>Homepage</a:t>
+            </a:r>
+          </a:p>
+          <a:p>
+            <a:pPr algn="ctr"/>
+            <a:endParaRPr lang="en-IN" dirty="0"/>
+          </a:p>
+        </p:txBody>
+      </p:sp>
     </p:spTree>
     <p:extLst>
       <p:ext uri="{BB962C8B-B14F-4D97-AF65-F5344CB8AC3E}">
@@ -3720,6 +3858,41 @@
           </a:prstGeom>
         </p:spPr>
       </p:pic>
+      <p:sp>
+        <p:nvSpPr>
+          <p:cNvPr id="2" name="TextBox 1">
+            <a:extLst>
+              <a:ext uri="{FF2B5EF4-FFF2-40B4-BE49-F238E27FC236}">
+                <a16:creationId xmlns:a16="http://schemas.microsoft.com/office/drawing/2014/main" id="{06873D40-EC1B-1D56-9A1A-0F6F17323BF7}"/>
+              </a:ext>
+            </a:extLst>
+          </p:cNvPr>
+          <p:cNvSpPr txBox="1"/>
+          <p:nvPr/>
+        </p:nvSpPr>
+        <p:spPr>
+          <a:xfrm>
+            <a:off x="4660490" y="265472"/>
+            <a:ext cx="2743200" cy="707886"/>
+          </a:xfrm>
+          <a:prstGeom prst="rect">
+            <a:avLst/>
+          </a:prstGeom>
+          <a:noFill/>
+        </p:spPr>
+        <p:txBody>
+          <a:bodyPr wrap="square" rtlCol="0">
+            <a:spAutoFit/>
+          </a:bodyPr>
+          <a:lstStyle/>
+          <a:p>
+            <a:r>
+              <a:rPr lang="en-IN" sz="4000" b="1" dirty="0"/>
+              <a:t>Admin page</a:t>
+            </a:r>
+          </a:p>
+        </p:txBody>
+      </p:sp>
     </p:spTree>
     <p:extLst>
       <p:ext uri="{BB962C8B-B14F-4D97-AF65-F5344CB8AC3E}">
@@ -3785,6 +3958,44 @@
           </a:prstGeom>
         </p:spPr>
       </p:pic>
+      <p:sp>
+        <p:nvSpPr>
+          <p:cNvPr id="2" name="TextBox 1">
+            <a:extLst>
+              <a:ext uri="{FF2B5EF4-FFF2-40B4-BE49-F238E27FC236}">
+                <a16:creationId xmlns:a16="http://schemas.microsoft.com/office/drawing/2014/main" id="{7D7F123A-CF6F-311A-A79F-2B893E47449E}"/>
+              </a:ext>
+            </a:extLst>
+          </p:cNvPr>
+          <p:cNvSpPr txBox="1"/>
+          <p:nvPr/>
+        </p:nvSpPr>
+        <p:spPr>
+          <a:xfrm>
+            <a:off x="4345858" y="381799"/>
+            <a:ext cx="3077497" cy="984885"/>
+          </a:xfrm>
+          <a:prstGeom prst="rect">
+            <a:avLst/>
+          </a:prstGeom>
+          <a:noFill/>
+        </p:spPr>
+        <p:txBody>
+          <a:bodyPr wrap="square" rtlCol="0">
+            <a:spAutoFit/>
+          </a:bodyPr>
+          <a:lstStyle/>
+          <a:p>
+            <a:r>
+              <a:rPr lang="en-IN" sz="4000" b="1" dirty="0"/>
+              <a:t>Finding bus</a:t>
+            </a:r>
+          </a:p>
+          <a:p>
+            <a:endParaRPr lang="en-IN" dirty="0"/>
+          </a:p>
+        </p:txBody>
+      </p:sp>
     </p:spTree>
     <p:extLst>
       <p:ext uri="{BB962C8B-B14F-4D97-AF65-F5344CB8AC3E}">
@@ -3850,6 +4061,44 @@
           </a:prstGeom>
         </p:spPr>
       </p:pic>
+      <p:sp>
+        <p:nvSpPr>
+          <p:cNvPr id="2" name="TextBox 1">
+            <a:extLst>
+              <a:ext uri="{FF2B5EF4-FFF2-40B4-BE49-F238E27FC236}">
+                <a16:creationId xmlns:a16="http://schemas.microsoft.com/office/drawing/2014/main" id="{7206E950-82EE-B8B7-BF87-915E7650A9BE}"/>
+              </a:ext>
+            </a:extLst>
+          </p:cNvPr>
+          <p:cNvSpPr txBox="1"/>
+          <p:nvPr/>
+        </p:nvSpPr>
+        <p:spPr>
+          <a:xfrm>
+            <a:off x="4748981" y="186813"/>
+            <a:ext cx="2664542" cy="984885"/>
+          </a:xfrm>
+          <a:prstGeom prst="rect">
+            <a:avLst/>
+          </a:prstGeom>
+          <a:noFill/>
+        </p:spPr>
+        <p:txBody>
+          <a:bodyPr wrap="square" rtlCol="0">
+            <a:spAutoFit/>
+          </a:bodyPr>
+          <a:lstStyle/>
+          <a:p>
+            <a:r>
+              <a:rPr lang="en-IN" sz="4000" b="1" dirty="0"/>
+              <a:t>Bookings</a:t>
+            </a:r>
+          </a:p>
+          <a:p>
+            <a:endParaRPr lang="en-IN" dirty="0"/>
+          </a:p>
+        </p:txBody>
+      </p:sp>
     </p:spTree>
     <p:extLst>
       <p:ext uri="{BB962C8B-B14F-4D97-AF65-F5344CB8AC3E}">
